--- a/monkey/aos/MonkeyTesting.pptx
+++ b/monkey/aos/MonkeyTesting.pptx
@@ -5,7 +5,7 @@
     <p:sldMasterId id="2147483648" r:id="rId1"/>
   </p:sldMasterIdLst>
   <p:notesMasterIdLst>
-    <p:notesMasterId r:id="rId14"/>
+    <p:notesMasterId r:id="rId21"/>
   </p:notesMasterIdLst>
   <p:sldIdLst>
     <p:sldId id="256" r:id="rId2"/>
@@ -20,6 +20,13 @@
     <p:sldId id="266" r:id="rId11"/>
     <p:sldId id="267" r:id="rId12"/>
     <p:sldId id="268" r:id="rId13"/>
+    <p:sldId id="269" r:id="rId14"/>
+    <p:sldId id="271" r:id="rId15"/>
+    <p:sldId id="270" r:id="rId16"/>
+    <p:sldId id="272" r:id="rId17"/>
+    <p:sldId id="273" r:id="rId18"/>
+    <p:sldId id="274" r:id="rId19"/>
+    <p:sldId id="275" r:id="rId20"/>
   </p:sldIdLst>
   <p:sldSz cx="12192000" cy="6858000"/>
   <p:notesSz cx="6858000" cy="9144000"/>
@@ -208,7 +215,7 @@
           <a:p>
             <a:fld id="{CE8EEC1D-AE17-7A42-A718-8ADA8D74D99A}" type="datetimeFigureOut">
               <a:rPr lang="en-CN" smtClean="0"/>
-              <a:t>07/18/2020</a:t>
+              <a:t>08/10/2020</a:t>
             </a:fld>
             <a:endParaRPr lang="en-CN"/>
           </a:p>
@@ -644,6 +651,426 @@
 </p:notes>
 </file>
 
+<file path=ppt/notesSlides/notesSlide11.xml><?xml version="1.0" encoding="utf-8"?>
+<p:notes xmlns:a="http://schemas.openxmlformats.org/drawingml/2006/main" xmlns:r="http://schemas.openxmlformats.org/officeDocument/2006/relationships" xmlns:p="http://schemas.openxmlformats.org/presentationml/2006/main">
+  <p:cSld>
+    <p:spTree>
+      <p:nvGrpSpPr>
+        <p:cNvPr id="1" name=""/>
+        <p:cNvGrpSpPr/>
+        <p:nvPr/>
+      </p:nvGrpSpPr>
+      <p:grpSpPr>
+        <a:xfrm>
+          <a:off x="0" y="0"/>
+          <a:ext cx="0" cy="0"/>
+          <a:chOff x="0" y="0"/>
+          <a:chExt cx="0" cy="0"/>
+        </a:xfrm>
+      </p:grpSpPr>
+      <p:sp>
+        <p:nvSpPr>
+          <p:cNvPr id="2" name="Slide Image Placeholder 1"/>
+          <p:cNvSpPr>
+            <a:spLocks noGrp="1" noRot="1" noChangeAspect="1"/>
+          </p:cNvSpPr>
+          <p:nvPr>
+            <p:ph type="sldImg"/>
+          </p:nvPr>
+        </p:nvSpPr>
+        <p:spPr/>
+      </p:sp>
+      <p:sp>
+        <p:nvSpPr>
+          <p:cNvPr id="3" name="Notes Placeholder 2"/>
+          <p:cNvSpPr>
+            <a:spLocks noGrp="1"/>
+          </p:cNvSpPr>
+          <p:nvPr>
+            <p:ph type="body" idx="1"/>
+          </p:nvPr>
+        </p:nvSpPr>
+        <p:spPr/>
+        <p:txBody>
+          <a:bodyPr/>
+          <a:lstStyle/>
+          <a:p>
+            <a:endParaRPr lang="en-CN" dirty="0"/>
+          </a:p>
+        </p:txBody>
+      </p:sp>
+      <p:sp>
+        <p:nvSpPr>
+          <p:cNvPr id="4" name="Slide Number Placeholder 3"/>
+          <p:cNvSpPr>
+            <a:spLocks noGrp="1"/>
+          </p:cNvSpPr>
+          <p:nvPr>
+            <p:ph type="sldNum" sz="quarter" idx="5"/>
+          </p:nvPr>
+        </p:nvSpPr>
+        <p:spPr/>
+        <p:txBody>
+          <a:bodyPr/>
+          <a:lstStyle/>
+          <a:p>
+            <a:fld id="{2AC9FA86-323B-164C-BC7E-E279E84E61AB}" type="slidenum">
+              <a:rPr lang="en-CN" smtClean="0"/>
+              <a:t>15</a:t>
+            </a:fld>
+            <a:endParaRPr lang="en-CN"/>
+          </a:p>
+        </p:txBody>
+      </p:sp>
+    </p:spTree>
+    <p:extLst>
+      <p:ext uri="{BB962C8B-B14F-4D97-AF65-F5344CB8AC3E}">
+        <p14:creationId xmlns:p14="http://schemas.microsoft.com/office/powerpoint/2010/main" val="2087341643"/>
+      </p:ext>
+    </p:extLst>
+  </p:cSld>
+  <p:clrMapOvr>
+    <a:masterClrMapping/>
+  </p:clrMapOvr>
+</p:notes>
+</file>
+
+<file path=ppt/notesSlides/notesSlide12.xml><?xml version="1.0" encoding="utf-8"?>
+<p:notes xmlns:a="http://schemas.openxmlformats.org/drawingml/2006/main" xmlns:r="http://schemas.openxmlformats.org/officeDocument/2006/relationships" xmlns:p="http://schemas.openxmlformats.org/presentationml/2006/main">
+  <p:cSld>
+    <p:spTree>
+      <p:nvGrpSpPr>
+        <p:cNvPr id="1" name=""/>
+        <p:cNvGrpSpPr/>
+        <p:nvPr/>
+      </p:nvGrpSpPr>
+      <p:grpSpPr>
+        <a:xfrm>
+          <a:off x="0" y="0"/>
+          <a:ext cx="0" cy="0"/>
+          <a:chOff x="0" y="0"/>
+          <a:chExt cx="0" cy="0"/>
+        </a:xfrm>
+      </p:grpSpPr>
+      <p:sp>
+        <p:nvSpPr>
+          <p:cNvPr id="2" name="Slide Image Placeholder 1"/>
+          <p:cNvSpPr>
+            <a:spLocks noGrp="1" noRot="1" noChangeAspect="1"/>
+          </p:cNvSpPr>
+          <p:nvPr>
+            <p:ph type="sldImg"/>
+          </p:nvPr>
+        </p:nvSpPr>
+        <p:spPr/>
+      </p:sp>
+      <p:sp>
+        <p:nvSpPr>
+          <p:cNvPr id="3" name="Notes Placeholder 2"/>
+          <p:cNvSpPr>
+            <a:spLocks noGrp="1"/>
+          </p:cNvSpPr>
+          <p:nvPr>
+            <p:ph type="body" idx="1"/>
+          </p:nvPr>
+        </p:nvSpPr>
+        <p:spPr/>
+        <p:txBody>
+          <a:bodyPr/>
+          <a:lstStyle/>
+          <a:p>
+            <a:endParaRPr lang="en-CN" dirty="0"/>
+          </a:p>
+        </p:txBody>
+      </p:sp>
+      <p:sp>
+        <p:nvSpPr>
+          <p:cNvPr id="4" name="Slide Number Placeholder 3"/>
+          <p:cNvSpPr>
+            <a:spLocks noGrp="1"/>
+          </p:cNvSpPr>
+          <p:nvPr>
+            <p:ph type="sldNum" sz="quarter" idx="5"/>
+          </p:nvPr>
+        </p:nvSpPr>
+        <p:spPr/>
+        <p:txBody>
+          <a:bodyPr/>
+          <a:lstStyle/>
+          <a:p>
+            <a:fld id="{2AC9FA86-323B-164C-BC7E-E279E84E61AB}" type="slidenum">
+              <a:rPr lang="en-CN" smtClean="0"/>
+              <a:t>16</a:t>
+            </a:fld>
+            <a:endParaRPr lang="en-CN"/>
+          </a:p>
+        </p:txBody>
+      </p:sp>
+    </p:spTree>
+    <p:extLst>
+      <p:ext uri="{BB962C8B-B14F-4D97-AF65-F5344CB8AC3E}">
+        <p14:creationId xmlns:p14="http://schemas.microsoft.com/office/powerpoint/2010/main" val="114245078"/>
+      </p:ext>
+    </p:extLst>
+  </p:cSld>
+  <p:clrMapOvr>
+    <a:masterClrMapping/>
+  </p:clrMapOvr>
+</p:notes>
+</file>
+
+<file path=ppt/notesSlides/notesSlide13.xml><?xml version="1.0" encoding="utf-8"?>
+<p:notes xmlns:a="http://schemas.openxmlformats.org/drawingml/2006/main" xmlns:r="http://schemas.openxmlformats.org/officeDocument/2006/relationships" xmlns:p="http://schemas.openxmlformats.org/presentationml/2006/main">
+  <p:cSld>
+    <p:spTree>
+      <p:nvGrpSpPr>
+        <p:cNvPr id="1" name=""/>
+        <p:cNvGrpSpPr/>
+        <p:nvPr/>
+      </p:nvGrpSpPr>
+      <p:grpSpPr>
+        <a:xfrm>
+          <a:off x="0" y="0"/>
+          <a:ext cx="0" cy="0"/>
+          <a:chOff x="0" y="0"/>
+          <a:chExt cx="0" cy="0"/>
+        </a:xfrm>
+      </p:grpSpPr>
+      <p:sp>
+        <p:nvSpPr>
+          <p:cNvPr id="2" name="Slide Image Placeholder 1"/>
+          <p:cNvSpPr>
+            <a:spLocks noGrp="1" noRot="1" noChangeAspect="1"/>
+          </p:cNvSpPr>
+          <p:nvPr>
+            <p:ph type="sldImg"/>
+          </p:nvPr>
+        </p:nvSpPr>
+        <p:spPr/>
+      </p:sp>
+      <p:sp>
+        <p:nvSpPr>
+          <p:cNvPr id="3" name="Notes Placeholder 2"/>
+          <p:cNvSpPr>
+            <a:spLocks noGrp="1"/>
+          </p:cNvSpPr>
+          <p:nvPr>
+            <p:ph type="body" idx="1"/>
+          </p:nvPr>
+        </p:nvSpPr>
+        <p:spPr/>
+        <p:txBody>
+          <a:bodyPr/>
+          <a:lstStyle/>
+          <a:p>
+            <a:endParaRPr lang="en-CN" dirty="0"/>
+          </a:p>
+        </p:txBody>
+      </p:sp>
+      <p:sp>
+        <p:nvSpPr>
+          <p:cNvPr id="4" name="Slide Number Placeholder 3"/>
+          <p:cNvSpPr>
+            <a:spLocks noGrp="1"/>
+          </p:cNvSpPr>
+          <p:nvPr>
+            <p:ph type="sldNum" sz="quarter" idx="5"/>
+          </p:nvPr>
+        </p:nvSpPr>
+        <p:spPr/>
+        <p:txBody>
+          <a:bodyPr/>
+          <a:lstStyle/>
+          <a:p>
+            <a:fld id="{2AC9FA86-323B-164C-BC7E-E279E84E61AB}" type="slidenum">
+              <a:rPr lang="en-CN" smtClean="0"/>
+              <a:t>17</a:t>
+            </a:fld>
+            <a:endParaRPr lang="en-CN"/>
+          </a:p>
+        </p:txBody>
+      </p:sp>
+    </p:spTree>
+    <p:extLst>
+      <p:ext uri="{BB962C8B-B14F-4D97-AF65-F5344CB8AC3E}">
+        <p14:creationId xmlns:p14="http://schemas.microsoft.com/office/powerpoint/2010/main" val="285942934"/>
+      </p:ext>
+    </p:extLst>
+  </p:cSld>
+  <p:clrMapOvr>
+    <a:masterClrMapping/>
+  </p:clrMapOvr>
+</p:notes>
+</file>
+
+<file path=ppt/notesSlides/notesSlide14.xml><?xml version="1.0" encoding="utf-8"?>
+<p:notes xmlns:a="http://schemas.openxmlformats.org/drawingml/2006/main" xmlns:r="http://schemas.openxmlformats.org/officeDocument/2006/relationships" xmlns:p="http://schemas.openxmlformats.org/presentationml/2006/main">
+  <p:cSld>
+    <p:spTree>
+      <p:nvGrpSpPr>
+        <p:cNvPr id="1" name=""/>
+        <p:cNvGrpSpPr/>
+        <p:nvPr/>
+      </p:nvGrpSpPr>
+      <p:grpSpPr>
+        <a:xfrm>
+          <a:off x="0" y="0"/>
+          <a:ext cx="0" cy="0"/>
+          <a:chOff x="0" y="0"/>
+          <a:chExt cx="0" cy="0"/>
+        </a:xfrm>
+      </p:grpSpPr>
+      <p:sp>
+        <p:nvSpPr>
+          <p:cNvPr id="2" name="Slide Image Placeholder 1"/>
+          <p:cNvSpPr>
+            <a:spLocks noGrp="1" noRot="1" noChangeAspect="1"/>
+          </p:cNvSpPr>
+          <p:nvPr>
+            <p:ph type="sldImg"/>
+          </p:nvPr>
+        </p:nvSpPr>
+        <p:spPr/>
+      </p:sp>
+      <p:sp>
+        <p:nvSpPr>
+          <p:cNvPr id="3" name="Notes Placeholder 2"/>
+          <p:cNvSpPr>
+            <a:spLocks noGrp="1"/>
+          </p:cNvSpPr>
+          <p:nvPr>
+            <p:ph type="body" idx="1"/>
+          </p:nvPr>
+        </p:nvSpPr>
+        <p:spPr/>
+        <p:txBody>
+          <a:bodyPr/>
+          <a:lstStyle/>
+          <a:p>
+            <a:endParaRPr lang="en-CN" dirty="0"/>
+          </a:p>
+        </p:txBody>
+      </p:sp>
+      <p:sp>
+        <p:nvSpPr>
+          <p:cNvPr id="4" name="Slide Number Placeholder 3"/>
+          <p:cNvSpPr>
+            <a:spLocks noGrp="1"/>
+          </p:cNvSpPr>
+          <p:nvPr>
+            <p:ph type="sldNum" sz="quarter" idx="5"/>
+          </p:nvPr>
+        </p:nvSpPr>
+        <p:spPr/>
+        <p:txBody>
+          <a:bodyPr/>
+          <a:lstStyle/>
+          <a:p>
+            <a:fld id="{2AC9FA86-323B-164C-BC7E-E279E84E61AB}" type="slidenum">
+              <a:rPr lang="en-CN" smtClean="0"/>
+              <a:t>18</a:t>
+            </a:fld>
+            <a:endParaRPr lang="en-CN"/>
+          </a:p>
+        </p:txBody>
+      </p:sp>
+    </p:spTree>
+    <p:extLst>
+      <p:ext uri="{BB962C8B-B14F-4D97-AF65-F5344CB8AC3E}">
+        <p14:creationId xmlns:p14="http://schemas.microsoft.com/office/powerpoint/2010/main" val="3390317654"/>
+      </p:ext>
+    </p:extLst>
+  </p:cSld>
+  <p:clrMapOvr>
+    <a:masterClrMapping/>
+  </p:clrMapOvr>
+</p:notes>
+</file>
+
+<file path=ppt/notesSlides/notesSlide15.xml><?xml version="1.0" encoding="utf-8"?>
+<p:notes xmlns:a="http://schemas.openxmlformats.org/drawingml/2006/main" xmlns:r="http://schemas.openxmlformats.org/officeDocument/2006/relationships" xmlns:p="http://schemas.openxmlformats.org/presentationml/2006/main">
+  <p:cSld>
+    <p:spTree>
+      <p:nvGrpSpPr>
+        <p:cNvPr id="1" name=""/>
+        <p:cNvGrpSpPr/>
+        <p:nvPr/>
+      </p:nvGrpSpPr>
+      <p:grpSpPr>
+        <a:xfrm>
+          <a:off x="0" y="0"/>
+          <a:ext cx="0" cy="0"/>
+          <a:chOff x="0" y="0"/>
+          <a:chExt cx="0" cy="0"/>
+        </a:xfrm>
+      </p:grpSpPr>
+      <p:sp>
+        <p:nvSpPr>
+          <p:cNvPr id="2" name="Slide Image Placeholder 1"/>
+          <p:cNvSpPr>
+            <a:spLocks noGrp="1" noRot="1" noChangeAspect="1"/>
+          </p:cNvSpPr>
+          <p:nvPr>
+            <p:ph type="sldImg"/>
+          </p:nvPr>
+        </p:nvSpPr>
+        <p:spPr/>
+      </p:sp>
+      <p:sp>
+        <p:nvSpPr>
+          <p:cNvPr id="3" name="Notes Placeholder 2"/>
+          <p:cNvSpPr>
+            <a:spLocks noGrp="1"/>
+          </p:cNvSpPr>
+          <p:nvPr>
+            <p:ph type="body" idx="1"/>
+          </p:nvPr>
+        </p:nvSpPr>
+        <p:spPr/>
+        <p:txBody>
+          <a:bodyPr/>
+          <a:lstStyle/>
+          <a:p>
+            <a:endParaRPr lang="en-CN" dirty="0"/>
+          </a:p>
+        </p:txBody>
+      </p:sp>
+      <p:sp>
+        <p:nvSpPr>
+          <p:cNvPr id="4" name="Slide Number Placeholder 3"/>
+          <p:cNvSpPr>
+            <a:spLocks noGrp="1"/>
+          </p:cNvSpPr>
+          <p:nvPr>
+            <p:ph type="sldNum" sz="quarter" idx="5"/>
+          </p:nvPr>
+        </p:nvSpPr>
+        <p:spPr/>
+        <p:txBody>
+          <a:bodyPr/>
+          <a:lstStyle/>
+          <a:p>
+            <a:fld id="{2AC9FA86-323B-164C-BC7E-E279E84E61AB}" type="slidenum">
+              <a:rPr lang="en-CN" smtClean="0"/>
+              <a:t>19</a:t>
+            </a:fld>
+            <a:endParaRPr lang="en-CN"/>
+          </a:p>
+        </p:txBody>
+      </p:sp>
+    </p:spTree>
+    <p:extLst>
+      <p:ext uri="{BB962C8B-B14F-4D97-AF65-F5344CB8AC3E}">
+        <p14:creationId xmlns:p14="http://schemas.microsoft.com/office/powerpoint/2010/main" val="1716500409"/>
+      </p:ext>
+    </p:extLst>
+  </p:cSld>
+  <p:clrMapOvr>
+    <a:masterClrMapping/>
+  </p:clrMapOvr>
+</p:notes>
+</file>
+
 <file path=ppt/notesSlides/notesSlide2.xml><?xml version="1.0" encoding="utf-8"?>
 <p:notes xmlns:a="http://schemas.openxmlformats.org/drawingml/2006/main" xmlns:r="http://schemas.openxmlformats.org/officeDocument/2006/relationships" xmlns:p="http://schemas.openxmlformats.org/presentationml/2006/main">
   <p:cSld>
@@ -1465,7 +1892,7 @@
           <a:p>
             <a:fld id="{2A72B7C5-3283-9E4E-B34B-D54058F68E9C}" type="datetimeFigureOut">
               <a:rPr lang="en-CN" smtClean="0"/>
-              <a:t>07/18/2020</a:t>
+              <a:t>08/10/2020</a:t>
             </a:fld>
             <a:endParaRPr lang="en-CN"/>
           </a:p>
@@ -1665,7 +2092,7 @@
           <a:p>
             <a:fld id="{2A72B7C5-3283-9E4E-B34B-D54058F68E9C}" type="datetimeFigureOut">
               <a:rPr lang="en-CN" smtClean="0"/>
-              <a:t>07/18/2020</a:t>
+              <a:t>08/10/2020</a:t>
             </a:fld>
             <a:endParaRPr lang="en-CN"/>
           </a:p>
@@ -1875,7 +2302,7 @@
           <a:p>
             <a:fld id="{2A72B7C5-3283-9E4E-B34B-D54058F68E9C}" type="datetimeFigureOut">
               <a:rPr lang="en-CN" smtClean="0"/>
-              <a:t>07/18/2020</a:t>
+              <a:t>08/10/2020</a:t>
             </a:fld>
             <a:endParaRPr lang="en-CN"/>
           </a:p>
@@ -2075,7 +2502,7 @@
           <a:p>
             <a:fld id="{2A72B7C5-3283-9E4E-B34B-D54058F68E9C}" type="datetimeFigureOut">
               <a:rPr lang="en-CN" smtClean="0"/>
-              <a:t>07/18/2020</a:t>
+              <a:t>08/10/2020</a:t>
             </a:fld>
             <a:endParaRPr lang="en-CN"/>
           </a:p>
@@ -2351,7 +2778,7 @@
           <a:p>
             <a:fld id="{2A72B7C5-3283-9E4E-B34B-D54058F68E9C}" type="datetimeFigureOut">
               <a:rPr lang="en-CN" smtClean="0"/>
-              <a:t>07/18/2020</a:t>
+              <a:t>08/10/2020</a:t>
             </a:fld>
             <a:endParaRPr lang="en-CN"/>
           </a:p>
@@ -2619,7 +3046,7 @@
           <a:p>
             <a:fld id="{2A72B7C5-3283-9E4E-B34B-D54058F68E9C}" type="datetimeFigureOut">
               <a:rPr lang="en-CN" smtClean="0"/>
-              <a:t>07/18/2020</a:t>
+              <a:t>08/10/2020</a:t>
             </a:fld>
             <a:endParaRPr lang="en-CN"/>
           </a:p>
@@ -3034,7 +3461,7 @@
           <a:p>
             <a:fld id="{2A72B7C5-3283-9E4E-B34B-D54058F68E9C}" type="datetimeFigureOut">
               <a:rPr lang="en-CN" smtClean="0"/>
-              <a:t>07/18/2020</a:t>
+              <a:t>08/10/2020</a:t>
             </a:fld>
             <a:endParaRPr lang="en-CN"/>
           </a:p>
@@ -3176,7 +3603,7 @@
           <a:p>
             <a:fld id="{2A72B7C5-3283-9E4E-B34B-D54058F68E9C}" type="datetimeFigureOut">
               <a:rPr lang="en-CN" smtClean="0"/>
-              <a:t>07/18/2020</a:t>
+              <a:t>08/10/2020</a:t>
             </a:fld>
             <a:endParaRPr lang="en-CN"/>
           </a:p>
@@ -3289,7 +3716,7 @@
           <a:p>
             <a:fld id="{2A72B7C5-3283-9E4E-B34B-D54058F68E9C}" type="datetimeFigureOut">
               <a:rPr lang="en-CN" smtClean="0"/>
-              <a:t>07/18/2020</a:t>
+              <a:t>08/10/2020</a:t>
             </a:fld>
             <a:endParaRPr lang="en-CN"/>
           </a:p>
@@ -3602,7 +4029,7 @@
           <a:p>
             <a:fld id="{2A72B7C5-3283-9E4E-B34B-D54058F68E9C}" type="datetimeFigureOut">
               <a:rPr lang="en-CN" smtClean="0"/>
-              <a:t>07/18/2020</a:t>
+              <a:t>08/10/2020</a:t>
             </a:fld>
             <a:endParaRPr lang="en-CN"/>
           </a:p>
@@ -3891,7 +4318,7 @@
           <a:p>
             <a:fld id="{2A72B7C5-3283-9E4E-B34B-D54058F68E9C}" type="datetimeFigureOut">
               <a:rPr lang="en-CN" smtClean="0"/>
-              <a:t>07/18/2020</a:t>
+              <a:t>08/10/2020</a:t>
             </a:fld>
             <a:endParaRPr lang="en-CN"/>
           </a:p>
@@ -4134,7 +4561,7 @@
           <a:p>
             <a:fld id="{2A72B7C5-3283-9E4E-B34B-D54058F68E9C}" type="datetimeFigureOut">
               <a:rPr lang="en-CN" smtClean="0"/>
-              <a:t>07/18/2020</a:t>
+              <a:t>08/10/2020</a:t>
             </a:fld>
             <a:endParaRPr lang="en-CN"/>
           </a:p>
@@ -4864,7 +5291,7 @@
           <a:graphicData uri="http://schemas.openxmlformats.org/presentationml/2006/ole">
             <mc:AlternateContent xmlns:mc="http://schemas.openxmlformats.org/markup-compatibility/2006">
               <mc:Choice xmlns:v="urn:schemas-microsoft-com:vml" Requires="v">
-                <p:oleObj spid="_x0000_s1026" name="Packager Shell Object" showAsIcon="1" r:id="rId4" imgW="1206360" imgH="350640" progId="Package">
+                <p:oleObj spid="_x0000_s1030" name="Packager Shell Object" showAsIcon="1" r:id="rId4" imgW="1206360" imgH="350640" progId="Package">
                   <p:embed/>
                 </p:oleObj>
               </mc:Choice>
@@ -4927,7 +5354,7 @@
           <a:graphicData uri="http://schemas.openxmlformats.org/presentationml/2006/ole">
             <mc:AlternateContent xmlns:mc="http://schemas.openxmlformats.org/markup-compatibility/2006">
               <mc:Choice xmlns:v="urn:schemas-microsoft-com:vml" Requires="v">
-                <p:oleObj spid="_x0000_s1027" name="Packager Shell Object" showAsIcon="1" r:id="rId6" imgW="1219320" imgH="350640" progId="Package">
+                <p:oleObj spid="_x0000_s1031" name="Packager Shell Object" showAsIcon="1" r:id="rId6" imgW="1219320" imgH="350640" progId="Package">
                   <p:embed/>
                 </p:oleObj>
               </mc:Choice>
@@ -5210,6 +5637,1119 @@
     <p:extLst>
       <p:ext uri="{BB962C8B-B14F-4D97-AF65-F5344CB8AC3E}">
         <p14:creationId xmlns:p14="http://schemas.microsoft.com/office/powerpoint/2010/main" val="2086557482"/>
+      </p:ext>
+    </p:extLst>
+  </p:cSld>
+  <p:clrMapOvr>
+    <a:masterClrMapping/>
+  </p:clrMapOvr>
+</p:sld>
+</file>
+
+<file path=ppt/slides/slide13.xml><?xml version="1.0" encoding="utf-8"?>
+<p:sld xmlns:a="http://schemas.openxmlformats.org/drawingml/2006/main" xmlns:r="http://schemas.openxmlformats.org/officeDocument/2006/relationships" xmlns:p="http://schemas.openxmlformats.org/presentationml/2006/main">
+  <p:cSld>
+    <p:spTree>
+      <p:nvGrpSpPr>
+        <p:cNvPr id="1" name=""/>
+        <p:cNvGrpSpPr/>
+        <p:nvPr/>
+      </p:nvGrpSpPr>
+      <p:grpSpPr>
+        <a:xfrm>
+          <a:off x="0" y="0"/>
+          <a:ext cx="0" cy="0"/>
+          <a:chOff x="0" y="0"/>
+          <a:chExt cx="0" cy="0"/>
+        </a:xfrm>
+      </p:grpSpPr>
+      <p:sp>
+        <p:nvSpPr>
+          <p:cNvPr id="2" name="Title 1">
+            <a:extLst>
+              <a:ext uri="{FF2B5EF4-FFF2-40B4-BE49-F238E27FC236}">
+                <a16:creationId xmlns:a16="http://schemas.microsoft.com/office/drawing/2014/main" id="{862300CC-F4AA-9041-9A22-4BFA6DF41C18}"/>
+              </a:ext>
+            </a:extLst>
+          </p:cNvPr>
+          <p:cNvSpPr>
+            <a:spLocks noGrp="1"/>
+          </p:cNvSpPr>
+          <p:nvPr>
+            <p:ph type="title"/>
+          </p:nvPr>
+        </p:nvSpPr>
+        <p:spPr/>
+        <p:txBody>
+          <a:bodyPr/>
+          <a:lstStyle/>
+          <a:p>
+            <a:r>
+              <a:rPr lang="en-US" altLang="zh-CN" dirty="0" err="1"/>
+              <a:t>AppCrawler</a:t>
+            </a:r>
+            <a:r>
+              <a:rPr lang="zh-CN" altLang="en-US" dirty="0"/>
+              <a:t> </a:t>
+            </a:r>
+            <a:r>
+              <a:rPr lang="en-US" altLang="zh-CN" dirty="0"/>
+              <a:t>in</a:t>
+            </a:r>
+            <a:r>
+              <a:rPr lang="zh-CN" altLang="en-US" dirty="0"/>
+              <a:t> </a:t>
+            </a:r>
+            <a:r>
+              <a:rPr lang="en-US" altLang="zh-CN" dirty="0"/>
+              <a:t>Appetizer</a:t>
+            </a:r>
+            <a:endParaRPr lang="en-CN" dirty="0"/>
+          </a:p>
+        </p:txBody>
+      </p:sp>
+      <p:sp>
+        <p:nvSpPr>
+          <p:cNvPr id="3" name="Content Placeholder 2">
+            <a:extLst>
+              <a:ext uri="{FF2B5EF4-FFF2-40B4-BE49-F238E27FC236}">
+                <a16:creationId xmlns:a16="http://schemas.microsoft.com/office/drawing/2014/main" id="{099C829E-99A2-7248-890A-4E37AC7DB9D9}"/>
+              </a:ext>
+            </a:extLst>
+          </p:cNvPr>
+          <p:cNvSpPr>
+            <a:spLocks noGrp="1"/>
+          </p:cNvSpPr>
+          <p:nvPr>
+            <p:ph idx="1"/>
+          </p:nvPr>
+        </p:nvSpPr>
+        <p:spPr/>
+        <p:txBody>
+          <a:bodyPr/>
+          <a:lstStyle/>
+          <a:p>
+            <a:r>
+              <a:rPr lang="en-US" altLang="zh-CN" dirty="0"/>
+              <a:t>Introduction</a:t>
+            </a:r>
+            <a:endParaRPr lang="en-US" dirty="0"/>
+          </a:p>
+          <a:p>
+            <a:r>
+              <a:rPr lang="en-US" dirty="0"/>
+              <a:t>Setup</a:t>
+            </a:r>
+            <a:r>
+              <a:rPr lang="zh-CN" altLang="en-US" dirty="0"/>
+              <a:t> </a:t>
+            </a:r>
+            <a:r>
+              <a:rPr lang="en-US" altLang="zh-CN" dirty="0"/>
+              <a:t>parameter</a:t>
+            </a:r>
+          </a:p>
+          <a:p>
+            <a:r>
+              <a:rPr lang="en-US" altLang="zh-CN" dirty="0"/>
+              <a:t>Start</a:t>
+            </a:r>
+            <a:r>
+              <a:rPr lang="zh-CN" altLang="en-US" dirty="0"/>
+              <a:t> </a:t>
+            </a:r>
+            <a:r>
+              <a:rPr lang="en-US" altLang="zh-CN" dirty="0" err="1"/>
+              <a:t>AppCrawler</a:t>
+            </a:r>
+            <a:endParaRPr lang="en-US" altLang="zh-CN" dirty="0"/>
+          </a:p>
+          <a:p>
+            <a:r>
+              <a:rPr lang="en-US" altLang="zh-CN" dirty="0"/>
+              <a:t>Report</a:t>
+            </a:r>
+            <a:endParaRPr lang="en-CN" dirty="0"/>
+          </a:p>
+        </p:txBody>
+      </p:sp>
+    </p:spTree>
+    <p:extLst>
+      <p:ext uri="{BB962C8B-B14F-4D97-AF65-F5344CB8AC3E}">
+        <p14:creationId xmlns:p14="http://schemas.microsoft.com/office/powerpoint/2010/main" val="4191522483"/>
+      </p:ext>
+    </p:extLst>
+  </p:cSld>
+  <p:clrMapOvr>
+    <a:masterClrMapping/>
+  </p:clrMapOvr>
+</p:sld>
+</file>
+
+<file path=ppt/slides/slide14.xml><?xml version="1.0" encoding="utf-8"?>
+<p:sld xmlns:a="http://schemas.openxmlformats.org/drawingml/2006/main" xmlns:r="http://schemas.openxmlformats.org/officeDocument/2006/relationships" xmlns:p="http://schemas.openxmlformats.org/presentationml/2006/main">
+  <p:cSld>
+    <p:spTree>
+      <p:nvGrpSpPr>
+        <p:cNvPr id="1" name=""/>
+        <p:cNvGrpSpPr/>
+        <p:nvPr/>
+      </p:nvGrpSpPr>
+      <p:grpSpPr>
+        <a:xfrm>
+          <a:off x="0" y="0"/>
+          <a:ext cx="0" cy="0"/>
+          <a:chOff x="0" y="0"/>
+          <a:chExt cx="0" cy="0"/>
+        </a:xfrm>
+      </p:grpSpPr>
+      <p:sp>
+        <p:nvSpPr>
+          <p:cNvPr id="2" name="Title 1">
+            <a:extLst>
+              <a:ext uri="{FF2B5EF4-FFF2-40B4-BE49-F238E27FC236}">
+                <a16:creationId xmlns:a16="http://schemas.microsoft.com/office/drawing/2014/main" id="{862300CC-F4AA-9041-9A22-4BFA6DF41C18}"/>
+              </a:ext>
+            </a:extLst>
+          </p:cNvPr>
+          <p:cNvSpPr>
+            <a:spLocks noGrp="1"/>
+          </p:cNvSpPr>
+          <p:nvPr>
+            <p:ph type="title"/>
+          </p:nvPr>
+        </p:nvSpPr>
+        <p:spPr/>
+        <p:txBody>
+          <a:bodyPr/>
+          <a:lstStyle/>
+          <a:p>
+            <a:r>
+              <a:rPr lang="en-US" altLang="zh-CN" dirty="0" err="1"/>
+              <a:t>AppCrawler</a:t>
+            </a:r>
+            <a:r>
+              <a:rPr lang="zh-CN" altLang="en-US" dirty="0"/>
+              <a:t> </a:t>
+            </a:r>
+            <a:r>
+              <a:rPr lang="en-US" altLang="zh-CN" dirty="0"/>
+              <a:t>Introduction</a:t>
+            </a:r>
+            <a:endParaRPr lang="en-CN" dirty="0"/>
+          </a:p>
+        </p:txBody>
+      </p:sp>
+      <p:sp>
+        <p:nvSpPr>
+          <p:cNvPr id="3" name="Content Placeholder 2">
+            <a:extLst>
+              <a:ext uri="{FF2B5EF4-FFF2-40B4-BE49-F238E27FC236}">
+                <a16:creationId xmlns:a16="http://schemas.microsoft.com/office/drawing/2014/main" id="{099C829E-99A2-7248-890A-4E37AC7DB9D9}"/>
+              </a:ext>
+            </a:extLst>
+          </p:cNvPr>
+          <p:cNvSpPr>
+            <a:spLocks noGrp="1"/>
+          </p:cNvSpPr>
+          <p:nvPr>
+            <p:ph idx="1"/>
+          </p:nvPr>
+        </p:nvSpPr>
+        <p:spPr/>
+        <p:txBody>
+          <a:bodyPr/>
+          <a:lstStyle/>
+          <a:p>
+            <a:r>
+              <a:rPr lang="en-US" altLang="zh-CN" dirty="0"/>
+              <a:t>Base</a:t>
+            </a:r>
+            <a:r>
+              <a:rPr lang="zh-CN" altLang="en-US" dirty="0"/>
+              <a:t> </a:t>
+            </a:r>
+            <a:r>
+              <a:rPr lang="en-US" altLang="zh-CN" dirty="0"/>
+              <a:t>on</a:t>
+            </a:r>
+            <a:r>
+              <a:rPr lang="zh-CN" altLang="en-US" dirty="0"/>
+              <a:t> </a:t>
+            </a:r>
+            <a:r>
+              <a:rPr lang="en-US" altLang="zh-CN" dirty="0"/>
+              <a:t>Appium</a:t>
+            </a:r>
+          </a:p>
+          <a:p>
+            <a:r>
+              <a:rPr lang="en-US" altLang="zh-CN" dirty="0"/>
+              <a:t>Support</a:t>
+            </a:r>
+            <a:r>
+              <a:rPr lang="zh-CN" altLang="en-US" dirty="0"/>
+              <a:t> </a:t>
+            </a:r>
+            <a:r>
+              <a:rPr lang="en-US" altLang="zh-CN" dirty="0" err="1"/>
+              <a:t>aOS</a:t>
+            </a:r>
+            <a:r>
+              <a:rPr lang="zh-CN" altLang="en-US" dirty="0"/>
+              <a:t> </a:t>
+            </a:r>
+            <a:r>
+              <a:rPr lang="en-US" altLang="zh-CN" dirty="0"/>
+              <a:t>and</a:t>
+            </a:r>
+            <a:r>
+              <a:rPr lang="zh-CN" altLang="en-US" dirty="0"/>
+              <a:t> </a:t>
+            </a:r>
+            <a:r>
+              <a:rPr lang="en-US" altLang="zh-CN" dirty="0"/>
+              <a:t>iOS</a:t>
+            </a:r>
+          </a:p>
+          <a:p>
+            <a:r>
+              <a:rPr lang="en-US" altLang="zh-CN" dirty="0"/>
+              <a:t>Target</a:t>
+            </a:r>
+            <a:r>
+              <a:rPr lang="zh-CN" altLang="en-US" dirty="0"/>
+              <a:t> </a:t>
+            </a:r>
+            <a:r>
+              <a:rPr lang="en-US" altLang="zh-CN" dirty="0"/>
+              <a:t>is</a:t>
+            </a:r>
+            <a:r>
+              <a:rPr lang="zh-CN" altLang="en-US" dirty="0"/>
+              <a:t> </a:t>
+            </a:r>
+            <a:r>
+              <a:rPr lang="en-US" altLang="zh-CN" dirty="0"/>
+              <a:t>to</a:t>
+            </a:r>
+            <a:r>
+              <a:rPr lang="zh-CN" altLang="en-US" dirty="0"/>
+              <a:t> </a:t>
+            </a:r>
+            <a:r>
+              <a:rPr lang="en-US" altLang="zh-CN" dirty="0"/>
+              <a:t>traverse</a:t>
+            </a:r>
+            <a:r>
+              <a:rPr lang="zh-CN" altLang="en-US" dirty="0"/>
+              <a:t> </a:t>
+            </a:r>
+            <a:r>
+              <a:rPr lang="en-US" altLang="zh-CN" dirty="0"/>
+              <a:t>all</a:t>
+            </a:r>
+            <a:r>
+              <a:rPr lang="zh-CN" altLang="en-US" dirty="0"/>
+              <a:t> </a:t>
+            </a:r>
+            <a:r>
+              <a:rPr lang="en-US" altLang="zh-CN" dirty="0"/>
+              <a:t>screens</a:t>
+            </a:r>
+            <a:r>
+              <a:rPr lang="zh-CN" altLang="en-US" dirty="0"/>
+              <a:t> </a:t>
+            </a:r>
+            <a:r>
+              <a:rPr lang="en-US" altLang="zh-CN" dirty="0"/>
+              <a:t>in</a:t>
+            </a:r>
+            <a:r>
+              <a:rPr lang="zh-CN" altLang="en-US" dirty="0"/>
+              <a:t> </a:t>
+            </a:r>
+            <a:r>
+              <a:rPr lang="en-US" altLang="zh-CN" dirty="0"/>
+              <a:t>App</a:t>
+            </a:r>
+          </a:p>
+          <a:p>
+            <a:r>
+              <a:rPr lang="en-US" altLang="zh-CN" dirty="0"/>
+              <a:t>Configurable for traverse rules</a:t>
+            </a:r>
+          </a:p>
+          <a:p>
+            <a:endParaRPr lang="en-CN" dirty="0"/>
+          </a:p>
+        </p:txBody>
+      </p:sp>
+    </p:spTree>
+    <p:extLst>
+      <p:ext uri="{BB962C8B-B14F-4D97-AF65-F5344CB8AC3E}">
+        <p14:creationId xmlns:p14="http://schemas.microsoft.com/office/powerpoint/2010/main" val="138551049"/>
+      </p:ext>
+    </p:extLst>
+  </p:cSld>
+  <p:clrMapOvr>
+    <a:masterClrMapping/>
+  </p:clrMapOvr>
+</p:sld>
+</file>
+
+<file path=ppt/slides/slide15.xml><?xml version="1.0" encoding="utf-8"?>
+<p:sld xmlns:a="http://schemas.openxmlformats.org/drawingml/2006/main" xmlns:r="http://schemas.openxmlformats.org/officeDocument/2006/relationships" xmlns:p="http://schemas.openxmlformats.org/presentationml/2006/main">
+  <p:cSld>
+    <p:spTree>
+      <p:nvGrpSpPr>
+        <p:cNvPr id="1" name=""/>
+        <p:cNvGrpSpPr/>
+        <p:nvPr/>
+      </p:nvGrpSpPr>
+      <p:grpSpPr>
+        <a:xfrm>
+          <a:off x="0" y="0"/>
+          <a:ext cx="0" cy="0"/>
+          <a:chOff x="0" y="0"/>
+          <a:chExt cx="0" cy="0"/>
+        </a:xfrm>
+      </p:grpSpPr>
+      <p:sp>
+        <p:nvSpPr>
+          <p:cNvPr id="2" name="Title 1">
+            <a:extLst>
+              <a:ext uri="{FF2B5EF4-FFF2-40B4-BE49-F238E27FC236}">
+                <a16:creationId xmlns:a16="http://schemas.microsoft.com/office/drawing/2014/main" id="{9C128431-C9CE-744F-820F-34559126BD09}"/>
+              </a:ext>
+            </a:extLst>
+          </p:cNvPr>
+          <p:cNvSpPr>
+            <a:spLocks noGrp="1"/>
+          </p:cNvSpPr>
+          <p:nvPr>
+            <p:ph type="title"/>
+          </p:nvPr>
+        </p:nvSpPr>
+        <p:spPr/>
+        <p:txBody>
+          <a:bodyPr/>
+          <a:lstStyle/>
+          <a:p>
+            <a:r>
+              <a:rPr lang="en-US" altLang="zh-CN" dirty="0" err="1"/>
+              <a:t>AppCrawler</a:t>
+            </a:r>
+            <a:r>
+              <a:rPr lang="zh-CN" altLang="en-US" dirty="0"/>
+              <a:t> </a:t>
+            </a:r>
+            <a:r>
+              <a:rPr lang="en-US" altLang="zh-CN" dirty="0"/>
+              <a:t>Parameter</a:t>
+            </a:r>
+            <a:endParaRPr lang="en-CN" dirty="0"/>
+          </a:p>
+        </p:txBody>
+      </p:sp>
+      <p:sp>
+        <p:nvSpPr>
+          <p:cNvPr id="3" name="Content Placeholder 2">
+            <a:extLst>
+              <a:ext uri="{FF2B5EF4-FFF2-40B4-BE49-F238E27FC236}">
+                <a16:creationId xmlns:a16="http://schemas.microsoft.com/office/drawing/2014/main" id="{67937DA2-E9CE-F245-897E-806A72D8FD1E}"/>
+              </a:ext>
+            </a:extLst>
+          </p:cNvPr>
+          <p:cNvSpPr>
+            <a:spLocks noGrp="1"/>
+          </p:cNvSpPr>
+          <p:nvPr>
+            <p:ph idx="1"/>
+          </p:nvPr>
+        </p:nvSpPr>
+        <p:spPr/>
+        <p:txBody>
+          <a:bodyPr/>
+          <a:lstStyle/>
+          <a:p>
+            <a:r>
+              <a:rPr lang="en-US" altLang="zh-CN" dirty="0"/>
+              <a:t>Capability</a:t>
+            </a:r>
+          </a:p>
+          <a:p>
+            <a:pPr lvl="1"/>
+            <a:r>
+              <a:rPr lang="en-US" dirty="0" err="1"/>
+              <a:t>androidCapability</a:t>
+            </a:r>
+            <a:r>
+              <a:rPr lang="en-US" dirty="0"/>
+              <a:t> to save android specific capabilities in Appium</a:t>
+            </a:r>
+          </a:p>
+          <a:p>
+            <a:pPr lvl="1"/>
+            <a:r>
+              <a:rPr lang="en-US" dirty="0" err="1"/>
+              <a:t>iosCapability</a:t>
+            </a:r>
+            <a:r>
+              <a:rPr lang="en-US" dirty="0"/>
+              <a:t> to save </a:t>
+            </a:r>
+            <a:r>
+              <a:rPr lang="en-US" dirty="0" err="1"/>
+              <a:t>ios</a:t>
+            </a:r>
+            <a:r>
+              <a:rPr lang="en-US" dirty="0"/>
+              <a:t> specific capabilities in Appium</a:t>
+            </a:r>
+          </a:p>
+          <a:p>
+            <a:r>
+              <a:rPr lang="en-US" dirty="0" err="1"/>
+              <a:t>triggerActions</a:t>
+            </a:r>
+            <a:endParaRPr lang="en-US" dirty="0"/>
+          </a:p>
+          <a:p>
+            <a:pPr lvl="1"/>
+            <a:r>
+              <a:rPr lang="en-US" altLang="zh-CN" dirty="0"/>
+              <a:t>Setup rules </a:t>
+            </a:r>
+          </a:p>
+          <a:p>
+            <a:r>
+              <a:rPr lang="en-US" dirty="0" err="1"/>
+              <a:t>selectedList</a:t>
+            </a:r>
+            <a:endParaRPr lang="en-US" dirty="0"/>
+          </a:p>
+          <a:p>
+            <a:pPr lvl="1"/>
+            <a:r>
+              <a:rPr lang="en-US" altLang="zh-CN" dirty="0"/>
+              <a:t>Default elements click</a:t>
+            </a:r>
+          </a:p>
+          <a:p>
+            <a:pPr lvl="1"/>
+            <a:endParaRPr lang="en-US" altLang="zh-CN" dirty="0"/>
+          </a:p>
+        </p:txBody>
+      </p:sp>
+      <p:pic>
+        <p:nvPicPr>
+          <p:cNvPr id="7" name="Picture 6" descr="A screenshot of a cell phone&#10;&#10;Description automatically generated">
+            <a:extLst>
+              <a:ext uri="{FF2B5EF4-FFF2-40B4-BE49-F238E27FC236}">
+                <a16:creationId xmlns:a16="http://schemas.microsoft.com/office/drawing/2014/main" id="{33E30E70-110B-8E41-B131-B6C9AF2D2591}"/>
+              </a:ext>
+            </a:extLst>
+          </p:cNvPr>
+          <p:cNvPicPr>
+            <a:picLocks noChangeAspect="1"/>
+          </p:cNvPicPr>
+          <p:nvPr/>
+        </p:nvPicPr>
+        <p:blipFill>
+          <a:blip r:embed="rId3"/>
+          <a:stretch>
+            <a:fillRect/>
+          </a:stretch>
+        </p:blipFill>
+        <p:spPr>
+          <a:xfrm>
+            <a:off x="5975524" y="2950927"/>
+            <a:ext cx="5479192" cy="3149600"/>
+          </a:xfrm>
+          <a:prstGeom prst="rect">
+            <a:avLst/>
+          </a:prstGeom>
+        </p:spPr>
+      </p:pic>
+    </p:spTree>
+    <p:extLst>
+      <p:ext uri="{BB962C8B-B14F-4D97-AF65-F5344CB8AC3E}">
+        <p14:creationId xmlns:p14="http://schemas.microsoft.com/office/powerpoint/2010/main" val="1505192641"/>
+      </p:ext>
+    </p:extLst>
+  </p:cSld>
+  <p:clrMapOvr>
+    <a:masterClrMapping/>
+  </p:clrMapOvr>
+</p:sld>
+</file>
+
+<file path=ppt/slides/slide16.xml><?xml version="1.0" encoding="utf-8"?>
+<p:sld xmlns:a="http://schemas.openxmlformats.org/drawingml/2006/main" xmlns:r="http://schemas.openxmlformats.org/officeDocument/2006/relationships" xmlns:p="http://schemas.openxmlformats.org/presentationml/2006/main">
+  <p:cSld>
+    <p:spTree>
+      <p:nvGrpSpPr>
+        <p:cNvPr id="1" name=""/>
+        <p:cNvGrpSpPr/>
+        <p:nvPr/>
+      </p:nvGrpSpPr>
+      <p:grpSpPr>
+        <a:xfrm>
+          <a:off x="0" y="0"/>
+          <a:ext cx="0" cy="0"/>
+          <a:chOff x="0" y="0"/>
+          <a:chExt cx="0" cy="0"/>
+        </a:xfrm>
+      </p:grpSpPr>
+      <p:sp>
+        <p:nvSpPr>
+          <p:cNvPr id="2" name="Title 1">
+            <a:extLst>
+              <a:ext uri="{FF2B5EF4-FFF2-40B4-BE49-F238E27FC236}">
+                <a16:creationId xmlns:a16="http://schemas.microsoft.com/office/drawing/2014/main" id="{9C128431-C9CE-744F-820F-34559126BD09}"/>
+              </a:ext>
+            </a:extLst>
+          </p:cNvPr>
+          <p:cNvSpPr>
+            <a:spLocks noGrp="1"/>
+          </p:cNvSpPr>
+          <p:nvPr>
+            <p:ph type="title"/>
+          </p:nvPr>
+        </p:nvSpPr>
+        <p:spPr/>
+        <p:txBody>
+          <a:bodyPr/>
+          <a:lstStyle/>
+          <a:p>
+            <a:r>
+              <a:rPr lang="en-US" altLang="zh-CN" dirty="0" err="1"/>
+              <a:t>AppCrawler</a:t>
+            </a:r>
+            <a:r>
+              <a:rPr lang="zh-CN" altLang="en-US" dirty="0"/>
+              <a:t> </a:t>
+            </a:r>
+            <a:r>
+              <a:rPr lang="en-US" altLang="zh-CN" dirty="0"/>
+              <a:t>Parameter</a:t>
+            </a:r>
+            <a:endParaRPr lang="en-CN" dirty="0"/>
+          </a:p>
+        </p:txBody>
+      </p:sp>
+      <p:sp>
+        <p:nvSpPr>
+          <p:cNvPr id="3" name="Content Placeholder 2">
+            <a:extLst>
+              <a:ext uri="{FF2B5EF4-FFF2-40B4-BE49-F238E27FC236}">
+                <a16:creationId xmlns:a16="http://schemas.microsoft.com/office/drawing/2014/main" id="{67937DA2-E9CE-F245-897E-806A72D8FD1E}"/>
+              </a:ext>
+            </a:extLst>
+          </p:cNvPr>
+          <p:cNvSpPr>
+            <a:spLocks noGrp="1"/>
+          </p:cNvSpPr>
+          <p:nvPr>
+            <p:ph idx="1"/>
+          </p:nvPr>
+        </p:nvSpPr>
+        <p:spPr/>
+        <p:txBody>
+          <a:bodyPr/>
+          <a:lstStyle/>
+          <a:p>
+            <a:r>
+              <a:rPr lang="en-US" altLang="zh-CN" dirty="0" err="1"/>
+              <a:t>firstList</a:t>
+            </a:r>
+            <a:endParaRPr lang="en-US" altLang="zh-CN" dirty="0"/>
+          </a:p>
+          <a:p>
+            <a:pPr lvl="1"/>
+            <a:r>
+              <a:rPr lang="en-US" dirty="0"/>
+              <a:t>High-priority elements </a:t>
+            </a:r>
+            <a:r>
+              <a:rPr lang="en-US" dirty="0" err="1"/>
+              <a:t>xpath</a:t>
+            </a:r>
+            <a:r>
+              <a:rPr lang="en-US" dirty="0"/>
+              <a:t> to traverse</a:t>
+            </a:r>
+          </a:p>
+          <a:p>
+            <a:r>
+              <a:rPr lang="en-US" dirty="0" err="1"/>
+              <a:t>lastList</a:t>
+            </a:r>
+            <a:endParaRPr lang="en-US" dirty="0"/>
+          </a:p>
+          <a:p>
+            <a:pPr lvl="1"/>
+            <a:r>
+              <a:rPr lang="en-US" altLang="zh-CN" dirty="0"/>
+              <a:t>low priority elements </a:t>
+            </a:r>
+            <a:r>
+              <a:rPr lang="en-US" altLang="zh-CN" dirty="0" err="1"/>
+              <a:t>xpath</a:t>
+            </a:r>
+            <a:r>
+              <a:rPr lang="en-US" altLang="zh-CN" dirty="0"/>
+              <a:t> to traverse </a:t>
+            </a:r>
+          </a:p>
+          <a:p>
+            <a:r>
+              <a:rPr lang="en-US" dirty="0" err="1"/>
+              <a:t>blackList</a:t>
+            </a:r>
+            <a:endParaRPr lang="en-US" dirty="0"/>
+          </a:p>
+          <a:p>
+            <a:pPr lvl="1"/>
+            <a:r>
+              <a:rPr lang="en-US" altLang="zh-CN" dirty="0"/>
+              <a:t>Exclude elements for any actions</a:t>
+            </a:r>
+          </a:p>
+          <a:p>
+            <a:r>
+              <a:rPr lang="en-US" dirty="0" err="1"/>
+              <a:t>backButton</a:t>
+            </a:r>
+            <a:endParaRPr lang="en-US" altLang="zh-CN" dirty="0"/>
+          </a:p>
+          <a:p>
+            <a:pPr lvl="1"/>
+            <a:r>
+              <a:rPr lang="en-US" altLang="zh-CN" dirty="0" err="1"/>
+              <a:t>Xpath</a:t>
+            </a:r>
+            <a:r>
+              <a:rPr lang="en-US" altLang="zh-CN" dirty="0"/>
+              <a:t> for back button location</a:t>
+            </a:r>
+          </a:p>
+        </p:txBody>
+      </p:sp>
+      <p:graphicFrame>
+        <p:nvGraphicFramePr>
+          <p:cNvPr id="4" name="Object 3">
+            <a:extLst>
+              <a:ext uri="{FF2B5EF4-FFF2-40B4-BE49-F238E27FC236}">
+                <a16:creationId xmlns:a16="http://schemas.microsoft.com/office/drawing/2014/main" id="{45E2F57E-702D-4B78-91AD-25942342EAFB}"/>
+              </a:ext>
+            </a:extLst>
+          </p:cNvPr>
+          <p:cNvGraphicFramePr>
+            <a:graphicFrameLocks noChangeAspect="1"/>
+          </p:cNvGraphicFramePr>
+          <p:nvPr>
+            <p:extLst>
+              <p:ext uri="{D42A27DB-BD31-4B8C-83A1-F6EECF244321}">
+                <p14:modId xmlns:p14="http://schemas.microsoft.com/office/powerpoint/2010/main" val="4054264834"/>
+              </p:ext>
+            </p:extLst>
+          </p:nvPr>
+        </p:nvGraphicFramePr>
+        <p:xfrm>
+          <a:off x="8066761" y="2111618"/>
+          <a:ext cx="855663" cy="350837"/>
+        </p:xfrm>
+        <a:graphic>
+          <a:graphicData uri="http://schemas.openxmlformats.org/presentationml/2006/ole">
+            <mc:AlternateContent xmlns:mc="http://schemas.openxmlformats.org/markup-compatibility/2006">
+              <mc:Choice xmlns:v="urn:schemas-microsoft-com:vml" Requires="v">
+                <p:oleObj spid="_x0000_s2050" name="Packager Shell Object" showAsIcon="1" r:id="rId4" imgW="855000" imgH="350640" progId="Package">
+                  <p:embed/>
+                </p:oleObj>
+              </mc:Choice>
+              <mc:Fallback>
+                <p:oleObj name="Packager Shell Object" showAsIcon="1" r:id="rId4" imgW="855000" imgH="350640" progId="Package">
+                  <p:embed/>
+                  <p:pic>
+                    <p:nvPicPr>
+                      <p:cNvPr id="0" name=""/>
+                      <p:cNvPicPr/>
+                      <p:nvPr/>
+                    </p:nvPicPr>
+                    <p:blipFill>
+                      <a:blip r:embed="rId5"/>
+                      <a:stretch>
+                        <a:fillRect/>
+                      </a:stretch>
+                    </p:blipFill>
+                    <p:spPr>
+                      <a:xfrm>
+                        <a:off x="8066761" y="2111618"/>
+                        <a:ext cx="855663" cy="350837"/>
+                      </a:xfrm>
+                      <a:prstGeom prst="rect">
+                        <a:avLst/>
+                      </a:prstGeom>
+                    </p:spPr>
+                  </p:pic>
+                </p:oleObj>
+              </mc:Fallback>
+            </mc:AlternateContent>
+          </a:graphicData>
+        </a:graphic>
+      </p:graphicFrame>
+    </p:spTree>
+    <p:extLst>
+      <p:ext uri="{BB962C8B-B14F-4D97-AF65-F5344CB8AC3E}">
+        <p14:creationId xmlns:p14="http://schemas.microsoft.com/office/powerpoint/2010/main" val="791031641"/>
+      </p:ext>
+    </p:extLst>
+  </p:cSld>
+  <p:clrMapOvr>
+    <a:masterClrMapping/>
+  </p:clrMapOvr>
+</p:sld>
+</file>
+
+<file path=ppt/slides/slide17.xml><?xml version="1.0" encoding="utf-8"?>
+<p:sld xmlns:a="http://schemas.openxmlformats.org/drawingml/2006/main" xmlns:r="http://schemas.openxmlformats.org/officeDocument/2006/relationships" xmlns:p="http://schemas.openxmlformats.org/presentationml/2006/main">
+  <p:cSld>
+    <p:spTree>
+      <p:nvGrpSpPr>
+        <p:cNvPr id="1" name=""/>
+        <p:cNvGrpSpPr/>
+        <p:nvPr/>
+      </p:nvGrpSpPr>
+      <p:grpSpPr>
+        <a:xfrm>
+          <a:off x="0" y="0"/>
+          <a:ext cx="0" cy="0"/>
+          <a:chOff x="0" y="0"/>
+          <a:chExt cx="0" cy="0"/>
+        </a:xfrm>
+      </p:grpSpPr>
+      <p:sp>
+        <p:nvSpPr>
+          <p:cNvPr id="2" name="Title 1">
+            <a:extLst>
+              <a:ext uri="{FF2B5EF4-FFF2-40B4-BE49-F238E27FC236}">
+                <a16:creationId xmlns:a16="http://schemas.microsoft.com/office/drawing/2014/main" id="{9C128431-C9CE-744F-820F-34559126BD09}"/>
+              </a:ext>
+            </a:extLst>
+          </p:cNvPr>
+          <p:cNvSpPr>
+            <a:spLocks noGrp="1"/>
+          </p:cNvSpPr>
+          <p:nvPr>
+            <p:ph type="title"/>
+          </p:nvPr>
+        </p:nvSpPr>
+        <p:spPr/>
+        <p:txBody>
+          <a:bodyPr/>
+          <a:lstStyle/>
+          <a:p>
+            <a:r>
+              <a:rPr lang="en-US" dirty="0" err="1"/>
+              <a:t>AppCrawler</a:t>
+            </a:r>
+            <a:r>
+              <a:rPr lang="en-US" dirty="0"/>
+              <a:t> Run</a:t>
+            </a:r>
+            <a:endParaRPr lang="en-CN" dirty="0"/>
+          </a:p>
+        </p:txBody>
+      </p:sp>
+      <p:sp>
+        <p:nvSpPr>
+          <p:cNvPr id="3" name="Content Placeholder 2">
+            <a:extLst>
+              <a:ext uri="{FF2B5EF4-FFF2-40B4-BE49-F238E27FC236}">
+                <a16:creationId xmlns:a16="http://schemas.microsoft.com/office/drawing/2014/main" id="{67937DA2-E9CE-F245-897E-806A72D8FD1E}"/>
+              </a:ext>
+            </a:extLst>
+          </p:cNvPr>
+          <p:cNvSpPr>
+            <a:spLocks noGrp="1"/>
+          </p:cNvSpPr>
+          <p:nvPr>
+            <p:ph idx="1"/>
+          </p:nvPr>
+        </p:nvSpPr>
+        <p:spPr/>
+        <p:txBody>
+          <a:bodyPr/>
+          <a:lstStyle/>
+          <a:p>
+            <a:pPr marL="0" indent="0">
+              <a:buNone/>
+            </a:pPr>
+            <a:endParaRPr lang="en-US" altLang="zh-CN" dirty="0"/>
+          </a:p>
+        </p:txBody>
+      </p:sp>
+    </p:spTree>
+    <p:extLst>
+      <p:ext uri="{BB962C8B-B14F-4D97-AF65-F5344CB8AC3E}">
+        <p14:creationId xmlns:p14="http://schemas.microsoft.com/office/powerpoint/2010/main" val="3409156560"/>
+      </p:ext>
+    </p:extLst>
+  </p:cSld>
+  <p:clrMapOvr>
+    <a:masterClrMapping/>
+  </p:clrMapOvr>
+</p:sld>
+</file>
+
+<file path=ppt/slides/slide18.xml><?xml version="1.0" encoding="utf-8"?>
+<p:sld xmlns:a="http://schemas.openxmlformats.org/drawingml/2006/main" xmlns:r="http://schemas.openxmlformats.org/officeDocument/2006/relationships" xmlns:p="http://schemas.openxmlformats.org/presentationml/2006/main">
+  <p:cSld>
+    <p:spTree>
+      <p:nvGrpSpPr>
+        <p:cNvPr id="1" name=""/>
+        <p:cNvGrpSpPr/>
+        <p:nvPr/>
+      </p:nvGrpSpPr>
+      <p:grpSpPr>
+        <a:xfrm>
+          <a:off x="0" y="0"/>
+          <a:ext cx="0" cy="0"/>
+          <a:chOff x="0" y="0"/>
+          <a:chExt cx="0" cy="0"/>
+        </a:xfrm>
+      </p:grpSpPr>
+      <p:sp>
+        <p:nvSpPr>
+          <p:cNvPr id="2" name="Title 1">
+            <a:extLst>
+              <a:ext uri="{FF2B5EF4-FFF2-40B4-BE49-F238E27FC236}">
+                <a16:creationId xmlns:a16="http://schemas.microsoft.com/office/drawing/2014/main" id="{9C128431-C9CE-744F-820F-34559126BD09}"/>
+              </a:ext>
+            </a:extLst>
+          </p:cNvPr>
+          <p:cNvSpPr>
+            <a:spLocks noGrp="1"/>
+          </p:cNvSpPr>
+          <p:nvPr>
+            <p:ph type="title"/>
+          </p:nvPr>
+        </p:nvSpPr>
+        <p:spPr/>
+        <p:txBody>
+          <a:bodyPr/>
+          <a:lstStyle/>
+          <a:p>
+            <a:r>
+              <a:rPr lang="en-US" dirty="0" err="1"/>
+              <a:t>AppCrawler</a:t>
+            </a:r>
+            <a:r>
+              <a:rPr lang="en-US" dirty="0"/>
+              <a:t> Report</a:t>
+            </a:r>
+            <a:endParaRPr lang="en-CN" dirty="0"/>
+          </a:p>
+        </p:txBody>
+      </p:sp>
+      <p:sp>
+        <p:nvSpPr>
+          <p:cNvPr id="3" name="Content Placeholder 2">
+            <a:extLst>
+              <a:ext uri="{FF2B5EF4-FFF2-40B4-BE49-F238E27FC236}">
+                <a16:creationId xmlns:a16="http://schemas.microsoft.com/office/drawing/2014/main" id="{67937DA2-E9CE-F245-897E-806A72D8FD1E}"/>
+              </a:ext>
+            </a:extLst>
+          </p:cNvPr>
+          <p:cNvSpPr>
+            <a:spLocks noGrp="1"/>
+          </p:cNvSpPr>
+          <p:nvPr>
+            <p:ph idx="1"/>
+          </p:nvPr>
+        </p:nvSpPr>
+        <p:spPr/>
+        <p:txBody>
+          <a:bodyPr/>
+          <a:lstStyle/>
+          <a:p>
+            <a:pPr marL="0" indent="0">
+              <a:buNone/>
+            </a:pPr>
+            <a:r>
+              <a:rPr lang="en-US" altLang="zh-CN" dirty="0"/>
+              <a:t>List all elements which traversed</a:t>
+            </a:r>
+          </a:p>
+          <a:p>
+            <a:pPr marL="0" indent="0">
+              <a:buNone/>
+            </a:pPr>
+            <a:r>
+              <a:rPr lang="en-US" altLang="zh-CN" dirty="0"/>
+              <a:t>Including screenshot</a:t>
+            </a:r>
+          </a:p>
+          <a:p>
+            <a:pPr marL="0" indent="0">
+              <a:buNone/>
+            </a:pPr>
+            <a:r>
+              <a:rPr lang="en-US" altLang="zh-CN" dirty="0"/>
+              <a:t>Can diff with previous version</a:t>
+            </a:r>
+          </a:p>
+        </p:txBody>
+      </p:sp>
+      <p:pic>
+        <p:nvPicPr>
+          <p:cNvPr id="5" name="Picture 4">
+            <a:extLst>
+              <a:ext uri="{FF2B5EF4-FFF2-40B4-BE49-F238E27FC236}">
+                <a16:creationId xmlns:a16="http://schemas.microsoft.com/office/drawing/2014/main" id="{3F93EB4D-1B86-774E-8E41-4F73EA812BE7}"/>
+              </a:ext>
+            </a:extLst>
+          </p:cNvPr>
+          <p:cNvPicPr>
+            <a:picLocks noChangeAspect="1"/>
+          </p:cNvPicPr>
+          <p:nvPr/>
+        </p:nvPicPr>
+        <p:blipFill>
+          <a:blip r:embed="rId3"/>
+          <a:stretch>
+            <a:fillRect/>
+          </a:stretch>
+        </p:blipFill>
+        <p:spPr>
+          <a:xfrm>
+            <a:off x="5944153" y="1955677"/>
+            <a:ext cx="5803003" cy="3918240"/>
+          </a:xfrm>
+          <a:prstGeom prst="rect">
+            <a:avLst/>
+          </a:prstGeom>
+        </p:spPr>
+      </p:pic>
+    </p:spTree>
+    <p:extLst>
+      <p:ext uri="{BB962C8B-B14F-4D97-AF65-F5344CB8AC3E}">
+        <p14:creationId xmlns:p14="http://schemas.microsoft.com/office/powerpoint/2010/main" val="915371911"/>
+      </p:ext>
+    </p:extLst>
+  </p:cSld>
+  <p:clrMapOvr>
+    <a:masterClrMapping/>
+  </p:clrMapOvr>
+</p:sld>
+</file>
+
+<file path=ppt/slides/slide19.xml><?xml version="1.0" encoding="utf-8"?>
+<p:sld xmlns:a="http://schemas.openxmlformats.org/drawingml/2006/main" xmlns:r="http://schemas.openxmlformats.org/officeDocument/2006/relationships" xmlns:p="http://schemas.openxmlformats.org/presentationml/2006/main">
+  <p:cSld>
+    <p:spTree>
+      <p:nvGrpSpPr>
+        <p:cNvPr id="1" name=""/>
+        <p:cNvGrpSpPr/>
+        <p:nvPr/>
+      </p:nvGrpSpPr>
+      <p:grpSpPr>
+        <a:xfrm>
+          <a:off x="0" y="0"/>
+          <a:ext cx="0" cy="0"/>
+          <a:chOff x="0" y="0"/>
+          <a:chExt cx="0" cy="0"/>
+        </a:xfrm>
+      </p:grpSpPr>
+      <p:sp>
+        <p:nvSpPr>
+          <p:cNvPr id="2" name="Title 1">
+            <a:extLst>
+              <a:ext uri="{FF2B5EF4-FFF2-40B4-BE49-F238E27FC236}">
+                <a16:creationId xmlns:a16="http://schemas.microsoft.com/office/drawing/2014/main" id="{9C128431-C9CE-744F-820F-34559126BD09}"/>
+              </a:ext>
+            </a:extLst>
+          </p:cNvPr>
+          <p:cNvSpPr>
+            <a:spLocks noGrp="1"/>
+          </p:cNvSpPr>
+          <p:nvPr>
+            <p:ph type="title"/>
+          </p:nvPr>
+        </p:nvSpPr>
+        <p:spPr/>
+        <p:txBody>
+          <a:bodyPr/>
+          <a:lstStyle/>
+          <a:p>
+            <a:r>
+              <a:rPr lang="en-US" dirty="0"/>
+              <a:t>Monkey 3.0</a:t>
+            </a:r>
+            <a:endParaRPr lang="en-CN" dirty="0"/>
+          </a:p>
+        </p:txBody>
+      </p:sp>
+      <p:sp>
+        <p:nvSpPr>
+          <p:cNvPr id="3" name="Content Placeholder 2">
+            <a:extLst>
+              <a:ext uri="{FF2B5EF4-FFF2-40B4-BE49-F238E27FC236}">
+                <a16:creationId xmlns:a16="http://schemas.microsoft.com/office/drawing/2014/main" id="{67937DA2-E9CE-F245-897E-806A72D8FD1E}"/>
+              </a:ext>
+            </a:extLst>
+          </p:cNvPr>
+          <p:cNvSpPr>
+            <a:spLocks noGrp="1"/>
+          </p:cNvSpPr>
+          <p:nvPr>
+            <p:ph idx="1"/>
+          </p:nvPr>
+        </p:nvSpPr>
+        <p:spPr/>
+        <p:txBody>
+          <a:bodyPr/>
+          <a:lstStyle/>
+          <a:p>
+            <a:r>
+              <a:rPr lang="en-US" altLang="zh-CN" dirty="0"/>
+              <a:t>Test data accumulation</a:t>
+            </a:r>
+          </a:p>
+          <a:p>
+            <a:pPr lvl="1"/>
+            <a:r>
+              <a:rPr lang="en-US" altLang="zh-CN" dirty="0"/>
+              <a:t>History testing data collection and management</a:t>
+            </a:r>
+          </a:p>
+          <a:p>
+            <a:r>
+              <a:rPr lang="en-US" altLang="zh-CN" dirty="0"/>
+              <a:t>Data analysis</a:t>
+            </a:r>
+          </a:p>
+          <a:p>
+            <a:pPr lvl="1"/>
+            <a:r>
+              <a:rPr lang="en-US" altLang="zh-CN" dirty="0"/>
+              <a:t>Big data technology to analyze test result data, find the relationship about defect and product module</a:t>
+            </a:r>
+          </a:p>
+          <a:p>
+            <a:r>
+              <a:rPr lang="en-US" altLang="zh-CN" dirty="0"/>
+              <a:t>Test prediction</a:t>
+            </a:r>
+          </a:p>
+        </p:txBody>
+      </p:sp>
+    </p:spTree>
+    <p:extLst>
+      <p:ext uri="{BB962C8B-B14F-4D97-AF65-F5344CB8AC3E}">
+        <p14:creationId xmlns:p14="http://schemas.microsoft.com/office/powerpoint/2010/main" val="1319975186"/>
       </p:ext>
     </p:extLst>
   </p:cSld>
